--- a/apec-2025-deri.pptx
+++ b/apec-2025-deri.pptx
@@ -3619,6 +3619,43 @@
                 <a:schemeClr val="bg1"/>
               </a:solidFill>
             </a:endParaRPr>
+          </a:p>
+        </p:txBody>
+      </p:sp>
+      <p:sp>
+        <p:nvSpPr>
+          <p:cNvPr id="3" name="TextBox 3"/>
+          <p:cNvSpPr txBox="1"/>
+          <p:nvPr/>
+        </p:nvSpPr>
+        <p:spPr>
+          <a:xfrm>
+            <a:off x="20320" y="6667500"/>
+            <a:ext cx="4856480" cy="460375"/>
+          </a:xfrm>
+          <a:prstGeom prst="rect">
+            <a:avLst/>
+          </a:prstGeom>
+          <a:noFill/>
+        </p:spPr>
+        <p:txBody>
+          <a:bodyPr wrap="square">
+            <a:spAutoFit/>
+          </a:bodyPr>
+          <a:p>
+            <a:r>
+              <a:rPr lang="en-US" altLang="en-ID" sz="2400" dirty="0"/>
+              <a:t>Materials:</a:t>
+            </a:r>
+            <a:r>
+              <a:rPr lang="en-US" altLang="en-ID" sz="2400" b="1" dirty="0"/>
+              <a:t> </a:t>
+            </a:r>
+            <a:r>
+              <a:rPr lang="en-US" altLang="en-US" sz="2400" b="1" dirty="0"/>
+              <a:t>derisiswara.art/apec-2025</a:t>
+            </a:r>
+            <a:endParaRPr lang="en-US" altLang="en-US" sz="2400" b="1" dirty="0"/>
           </a:p>
         </p:txBody>
       </p:sp>

--- a/apec-2025-deri.pptx
+++ b/apec-2025-deri.pptx
@@ -139,7 +139,7 @@
   <p:extLst>
     <p:ext uri="{EFAFB233-063F-42B5-8137-9DF3F51BA10A}">
       <p15:sldGuideLst xmlns:p15="http://schemas.microsoft.com/office/powerpoint/2012/main">
-        <p15:guide id="1" orient="horz" pos="2160" userDrawn="1">
+        <p15:guide id="1" orient="horz" pos="2144" userDrawn="1">
           <p15:clr>
             <a:srgbClr val="A4A3A4"/>
           </p15:clr>
@@ -8056,31 +8056,6 @@
           </a:p>
         </p:txBody>
       </p:sp>
-      <p:pic>
-        <p:nvPicPr>
-          <p:cNvPr id="4" name="Picture 3"/>
-          <p:cNvPicPr>
-            <a:picLocks noChangeAspect="1"/>
-          </p:cNvPicPr>
-          <p:nvPr/>
-        </p:nvPicPr>
-        <p:blipFill>
-          <a:blip r:embed="rId3"/>
-          <a:srcRect l="4613" t="11464" r="6256" b="7672"/>
-          <a:stretch>
-            <a:fillRect/>
-          </a:stretch>
-        </p:blipFill>
-        <p:spPr>
-          <a:xfrm>
-            <a:off x="0" y="2499360"/>
-            <a:ext cx="7696200" cy="6983136"/>
-          </a:xfrm>
-          <a:prstGeom prst="rect">
-            <a:avLst/>
-          </a:prstGeom>
-        </p:spPr>
-      </p:pic>
       <p:sp>
         <p:nvSpPr>
           <p:cNvPr id="9" name="Text Box 13"/>
@@ -8142,7 +8117,7 @@
           <p:cNvGraphicFramePr/>
           <p:nvPr>
             <p:custDataLst>
-              <p:tags r:id="rId4"/>
+              <p:tags r:id="rId3"/>
             </p:custDataLst>
           </p:nvPr>
         </p:nvGraphicFramePr>
@@ -8584,7 +8559,7 @@
                   </a:tcPr>
                 </a:tc>
               </a:tr>
-              <a:tr h="348343">
+              <a:tr h="349250">
                 <a:tc>
                   <a:txBody>
                     <a:bodyPr/>
@@ -8654,114 +8629,6 @@
                           <a:cs typeface="Arial" panose="020B0604020202020204" pitchFamily="34" charset="0"/>
                         </a:rPr>
                         <a:t>Product distribution permit</a:t>
-                      </a:r>
-                      <a:endParaRPr sz="2400" b="0" i="0">
-                        <a:solidFill>
-                          <a:srgbClr val="000000"/>
-                        </a:solidFill>
-                        <a:latin typeface="+mn-lt"/>
-                        <a:ea typeface="lato"/>
-                        <a:cs typeface="Arial" panose="020B0604020202020204" pitchFamily="34" charset="0"/>
-                      </a:endParaRPr>
-                    </a:p>
-                  </a:txBody>
-                  <a:tcPr marL="5080" marR="5080" marT="5080" marB="0" anchor="ctr">
-                    <a:lnL>
-                      <a:noFill/>
-                    </a:lnL>
-                    <a:lnR>
-                      <a:noFill/>
-                    </a:lnR>
-                    <a:lnT w="6350" cap="flat" cmpd="sng">
-                      <a:solidFill>
-                        <a:srgbClr val="000000"/>
-                      </a:solidFill>
-                      <a:prstDash val="solid"/>
-                      <a:headEnd type="none" w="med" len="med"/>
-                      <a:tailEnd type="none" w="med" len="med"/>
-                    </a:lnT>
-                    <a:lnB w="6350" cap="flat" cmpd="sng">
-                      <a:solidFill>
-                        <a:srgbClr val="000000"/>
-                      </a:solidFill>
-                      <a:prstDash val="solid"/>
-                      <a:headEnd type="none" w="med" len="med"/>
-                      <a:tailEnd type="none" w="med" len="med"/>
-                    </a:lnB>
-                    <a:noFill/>
-                  </a:tcPr>
-                </a:tc>
-              </a:tr>
-              <a:tr h="348343">
-                <a:tc>
-                  <a:txBody>
-                    <a:bodyPr/>
-                    <a:lstStyle/>
-                    <a:p>
-                      <a:pPr algn="l" fontAlgn="ctr"/>
-                      <a:r>
-                        <a:rPr sz="2400" b="0" i="0">
-                          <a:solidFill>
-                            <a:srgbClr val="000000"/>
-                          </a:solidFill>
-                          <a:latin typeface="+mn-lt"/>
-                          <a:ea typeface="lato"/>
-                          <a:cs typeface="Arial" panose="020B0604020202020204" pitchFamily="34" charset="0"/>
-                        </a:rPr>
-                        <a:t>Q82</a:t>
-                      </a:r>
-                      <a:endParaRPr sz="2400" b="0" i="0">
-                        <a:solidFill>
-                          <a:srgbClr val="000000"/>
-                        </a:solidFill>
-                        <a:latin typeface="+mn-lt"/>
-                        <a:ea typeface="lato"/>
-                        <a:cs typeface="Arial" panose="020B0604020202020204" pitchFamily="34" charset="0"/>
-                      </a:endParaRPr>
-                    </a:p>
-                  </a:txBody>
-                  <a:tcPr marL="5080" marR="5080" marT="5080" marB="0" anchor="ctr">
-                    <a:lnL>
-                      <a:noFill/>
-                    </a:lnL>
-                    <a:lnR>
-                      <a:noFill/>
-                    </a:lnR>
-                    <a:lnT w="6350" cap="flat" cmpd="sng">
-                      <a:solidFill>
-                        <a:srgbClr val="000000"/>
-                      </a:solidFill>
-                      <a:prstDash val="solid"/>
-                      <a:headEnd type="none" w="med" len="med"/>
-                      <a:tailEnd type="none" w="med" len="med"/>
-                    </a:lnT>
-                    <a:lnB w="6350" cap="flat" cmpd="sng">
-                      <a:solidFill>
-                        <a:srgbClr val="000000"/>
-                      </a:solidFill>
-                      <a:prstDash val="solid"/>
-                      <a:headEnd type="none" w="med" len="med"/>
-                      <a:tailEnd type="none" w="med" len="med"/>
-                    </a:lnB>
-                    <a:noFill/>
-                  </a:tcPr>
-                </a:tc>
-                <a:tc>
-                  <a:txBody>
-                    <a:bodyPr/>
-                    <a:lstStyle/>
-                    <a:p>
-                      <a:pPr algn="l" fontAlgn="ctr"/>
-                      <a:r>
-                        <a:rPr sz="2400" b="0" i="0">
-                          <a:solidFill>
-                            <a:srgbClr val="000000"/>
-                          </a:solidFill>
-                          <a:latin typeface="+mn-lt"/>
-                          <a:ea typeface="lato"/>
-                          <a:cs typeface="Arial" panose="020B0604020202020204" pitchFamily="34" charset="0"/>
-                        </a:rPr>
-                        <a:t>Regular customers</a:t>
                       </a:r>
                       <a:endParaRPr sz="2400" b="0" i="0">
                         <a:solidFill>
@@ -9668,6 +9535,30 @@
           </a:graphicData>
         </a:graphic>
       </p:graphicFrame>
+      <p:pic>
+        <p:nvPicPr>
+          <p:cNvPr id="7" name="Picture 6"/>
+          <p:cNvPicPr>
+            <a:picLocks noChangeAspect="1"/>
+          </p:cNvPicPr>
+          <p:nvPr/>
+        </p:nvPicPr>
+        <p:blipFill>
+          <a:blip r:embed="rId4"/>
+          <a:stretch>
+            <a:fillRect/>
+          </a:stretch>
+        </p:blipFill>
+        <p:spPr>
+          <a:xfrm>
+            <a:off x="228600" y="2552700"/>
+            <a:ext cx="6899910" cy="6899910"/>
+          </a:xfrm>
+          <a:prstGeom prst="rect">
+            <a:avLst/>
+          </a:prstGeom>
+        </p:spPr>
+      </p:pic>
     </p:spTree>
   </p:cSld>
   <p:clrMapOvr>

--- a/apec-2025-deri.pptx
+++ b/apec-2025-deri.pptx
@@ -3898,7 +3898,7 @@
         <p:spPr>
           <a:xfrm>
             <a:off x="166086" y="2433851"/>
-            <a:ext cx="16426180" cy="1938992"/>
+            <a:ext cx="16426180" cy="1938020"/>
           </a:xfrm>
           <a:prstGeom prst="rect">
             <a:avLst/>
@@ -3919,7 +3919,15 @@
                 <a:ea typeface="Swiss721BT-Bold"/>
                 <a:cs typeface="Arial" panose="020B0604020202020204" pitchFamily="34" charset="0"/>
               </a:rPr>
-              <a:t>FSMS performance is evaluated through process monitoring, internal audits, and management review to ensure product objectives, meet customer expectations, prevent undesired effects, and drive continual improvement. Some businesses (24%) do not conduct periodic evaluations. These businesses also do not ask for customer feedback, and interestingly, most of them do not receive customer complaints. Their business processes tend to remain the same each day, without regular evaluation or feedback-driven adjustments.</a:t>
+              <a:t>FSMS performance is evaluated through process monitoring, internal audits, and management review to ensure product objectives, meet customer expectations, prevent undesired effects, and drive continual improvement. Some businesses (24%) do not conduct periodic evaluations. </a:t>
+            </a:r>
+            <a:r>
+              <a:rPr lang="en-US" altLang="en-US" sz="2400" dirty="0">
+                <a:ea typeface="Swiss721BT-Bold"/>
+                <a:cs typeface="Arial" panose="020B0604020202020204" pitchFamily="34" charset="0"/>
+                <a:sym typeface="+mn-ea"/>
+              </a:rPr>
+              <a:t>These businesses also do not ask for customer feedback, and interestingly, most of them do not receive customer complaints. Their business processes tend to remain the same each day, without regular evaluation or feedback-driven adjustments.</a:t>
             </a:r>
             <a:endParaRPr lang="en-US" altLang="en-US" sz="2400" dirty="0">
               <a:solidFill>
@@ -6216,7 +6224,7 @@
         </p:nvSpPr>
         <p:spPr>
           <a:xfrm>
-            <a:off x="1371600" y="2171700"/>
+            <a:off x="533400" y="1181100"/>
             <a:ext cx="13944600" cy="6172200"/>
           </a:xfrm>
           <a:prstGeom prst="rect">
@@ -6304,6 +6312,22 @@
             <a:r>
               <a:rPr lang="en-US" altLang="en-US" sz="2400" dirty="0"/>
               <a:t>Most institutions have adequate legal frameworks, though mechanisms vary. Cleanliness remains a critical issue among street vendors. Not all regulators have dedicated food safety programs, indicating there is room for more proactive initiatives.</a:t>
+            </a:r>
+            <a:endParaRPr lang="en-US" altLang="en-US" sz="2400" dirty="0"/>
+          </a:p>
+          <a:p>
+            <a:pPr marL="342900" indent="-342900" algn="just">
+              <a:buAutoNum type="arabicPeriod"/>
+            </a:pPr>
+            <a:endParaRPr lang="en-US" altLang="en-US" sz="2400" dirty="0"/>
+          </a:p>
+          <a:p>
+            <a:pPr marL="342900" indent="-342900" algn="just">
+              <a:buAutoNum type="arabicPeriod"/>
+            </a:pPr>
+            <a:r>
+              <a:rPr lang="en-US" altLang="en-US" sz="2400" dirty="0"/>
+              <a:t>BBased on literature review in other countries/regions, across varied low- and middle-income settings, research typically shows the same pattern: street-food vendors know basic food-safety principles and are knowledgeable enough, but still lack hygiene practices due to lack of resources, highlighting the need for training and stronger regulation.</a:t>
             </a:r>
             <a:endParaRPr lang="en-US" altLang="en-US" sz="2400" dirty="0"/>
           </a:p>
@@ -10028,7 +10052,7 @@
       </p:grpSpPr>
       <p:pic>
         <p:nvPicPr>
-          <p:cNvPr id="7" name="Picture 6"/>
+          <p:cNvPr id="10" name="Picture 9"/>
           <p:cNvPicPr>
             <a:picLocks noChangeAspect="1"/>
           </p:cNvPicPr>
@@ -10042,8 +10066,8 @@
         </p:blipFill>
         <p:spPr>
           <a:xfrm>
-            <a:off x="2514600" y="1540651"/>
-            <a:ext cx="12344400" cy="6173261"/>
+            <a:off x="4572000" y="952500"/>
+            <a:ext cx="11028045" cy="7352030"/>
           </a:xfrm>
           <a:prstGeom prst="rect">
             <a:avLst/>
@@ -10538,31 +10562,6 @@
           </a:p>
         </p:txBody>
       </p:sp>
-      <p:pic>
-        <p:nvPicPr>
-          <p:cNvPr id="4" name="Picture 3"/>
-          <p:cNvPicPr>
-            <a:picLocks noChangeAspect="1"/>
-          </p:cNvPicPr>
-          <p:nvPr/>
-        </p:nvPicPr>
-        <p:blipFill>
-          <a:blip r:embed="rId3"/>
-          <a:srcRect t="5460"/>
-          <a:stretch>
-            <a:fillRect/>
-          </a:stretch>
-        </p:blipFill>
-        <p:spPr>
-          <a:xfrm>
-            <a:off x="0" y="2432713"/>
-            <a:ext cx="7417558" cy="7012582"/>
-          </a:xfrm>
-          <a:prstGeom prst="rect">
-            <a:avLst/>
-          </a:prstGeom>
-        </p:spPr>
-      </p:pic>
       <p:sp>
         <p:nvSpPr>
           <p:cNvPr id="9" name="Text Box 13"/>
@@ -12234,6 +12233,30 @@
           </a:graphicData>
         </a:graphic>
       </p:graphicFrame>
+      <p:pic>
+        <p:nvPicPr>
+          <p:cNvPr id="12" name="Picture 11"/>
+          <p:cNvPicPr>
+            <a:picLocks noChangeAspect="1"/>
+          </p:cNvPicPr>
+          <p:nvPr/>
+        </p:nvPicPr>
+        <p:blipFill>
+          <a:blip r:embed="rId3"/>
+          <a:stretch>
+            <a:fillRect/>
+          </a:stretch>
+        </p:blipFill>
+        <p:spPr>
+          <a:xfrm>
+            <a:off x="152400" y="2400300"/>
+            <a:ext cx="7019925" cy="7019925"/>
+          </a:xfrm>
+          <a:prstGeom prst="rect">
+            <a:avLst/>
+          </a:prstGeom>
+        </p:spPr>
+      </p:pic>
     </p:spTree>
   </p:cSld>
   <p:clrMapOvr>

--- a/apec-2025-deri.pptx
+++ b/apec-2025-deri.pptx
@@ -3659,6 +3659,30 @@
           </a:p>
         </p:txBody>
       </p:sp>
+      <p:pic>
+        <p:nvPicPr>
+          <p:cNvPr id="5" name="Picture 4" descr="frame"/>
+          <p:cNvPicPr>
+            <a:picLocks noChangeAspect="1"/>
+          </p:cNvPicPr>
+          <p:nvPr/>
+        </p:nvPicPr>
+        <p:blipFill>
+          <a:blip r:embed="rId2"/>
+          <a:stretch>
+            <a:fillRect/>
+          </a:stretch>
+        </p:blipFill>
+        <p:spPr>
+          <a:xfrm>
+            <a:off x="152400" y="7127875"/>
+            <a:ext cx="2352040" cy="2352040"/>
+          </a:xfrm>
+          <a:prstGeom prst="rect">
+            <a:avLst/>
+          </a:prstGeom>
+        </p:spPr>
+      </p:pic>
     </p:spTree>
   </p:cSld>
   <p:clrMapOvr>
